--- a/TileFormats/PointCloud/figures/Figures.pptx
+++ b/TileFormats/PointCloud/figures/Figures.pptx
@@ -304,7 +304,7 @@
           <a:p>
             <a:fld id="{E44376AC-B3C2-8643-B9A3-A6905164CDF3}" type="datetimeFigureOut">
               <a:rPr lang="en-US" smtClean="0"/>
-              <a:t>8/18/2016</a:t>
+              <a:t>8/31/2016</a:t>
             </a:fld>
             <a:endParaRPr lang="en-US"/>
           </a:p>
@@ -474,7 +474,7 @@
           <a:p>
             <a:fld id="{E44376AC-B3C2-8643-B9A3-A6905164CDF3}" type="datetimeFigureOut">
               <a:rPr lang="en-US" smtClean="0"/>
-              <a:t>8/18/2016</a:t>
+              <a:t>8/31/2016</a:t>
             </a:fld>
             <a:endParaRPr lang="en-US"/>
           </a:p>
@@ -654,7 +654,7 @@
           <a:p>
             <a:fld id="{E44376AC-B3C2-8643-B9A3-A6905164CDF3}" type="datetimeFigureOut">
               <a:rPr lang="en-US" smtClean="0"/>
-              <a:t>8/18/2016</a:t>
+              <a:t>8/31/2016</a:t>
             </a:fld>
             <a:endParaRPr lang="en-US"/>
           </a:p>
@@ -824,7 +824,7 @@
           <a:p>
             <a:fld id="{E44376AC-B3C2-8643-B9A3-A6905164CDF3}" type="datetimeFigureOut">
               <a:rPr lang="en-US" smtClean="0"/>
-              <a:t>8/18/2016</a:t>
+              <a:t>8/31/2016</a:t>
             </a:fld>
             <a:endParaRPr lang="en-US"/>
           </a:p>
@@ -1070,7 +1070,7 @@
           <a:p>
             <a:fld id="{E44376AC-B3C2-8643-B9A3-A6905164CDF3}" type="datetimeFigureOut">
               <a:rPr lang="en-US" smtClean="0"/>
-              <a:t>8/18/2016</a:t>
+              <a:t>8/31/2016</a:t>
             </a:fld>
             <a:endParaRPr lang="en-US"/>
           </a:p>
@@ -1358,7 +1358,7 @@
           <a:p>
             <a:fld id="{E44376AC-B3C2-8643-B9A3-A6905164CDF3}" type="datetimeFigureOut">
               <a:rPr lang="en-US" smtClean="0"/>
-              <a:t>8/18/2016</a:t>
+              <a:t>8/31/2016</a:t>
             </a:fld>
             <a:endParaRPr lang="en-US"/>
           </a:p>
@@ -1780,7 +1780,7 @@
           <a:p>
             <a:fld id="{E44376AC-B3C2-8643-B9A3-A6905164CDF3}" type="datetimeFigureOut">
               <a:rPr lang="en-US" smtClean="0"/>
-              <a:t>8/18/2016</a:t>
+              <a:t>8/31/2016</a:t>
             </a:fld>
             <a:endParaRPr lang="en-US"/>
           </a:p>
@@ -1898,7 +1898,7 @@
           <a:p>
             <a:fld id="{E44376AC-B3C2-8643-B9A3-A6905164CDF3}" type="datetimeFigureOut">
               <a:rPr lang="en-US" smtClean="0"/>
-              <a:t>8/18/2016</a:t>
+              <a:t>8/31/2016</a:t>
             </a:fld>
             <a:endParaRPr lang="en-US"/>
           </a:p>
@@ -1993,7 +1993,7 @@
           <a:p>
             <a:fld id="{E44376AC-B3C2-8643-B9A3-A6905164CDF3}" type="datetimeFigureOut">
               <a:rPr lang="en-US" smtClean="0"/>
-              <a:t>8/18/2016</a:t>
+              <a:t>8/31/2016</a:t>
             </a:fld>
             <a:endParaRPr lang="en-US"/>
           </a:p>
@@ -2270,7 +2270,7 @@
           <a:p>
             <a:fld id="{E44376AC-B3C2-8643-B9A3-A6905164CDF3}" type="datetimeFigureOut">
               <a:rPr lang="en-US" smtClean="0"/>
-              <a:t>8/18/2016</a:t>
+              <a:t>8/31/2016</a:t>
             </a:fld>
             <a:endParaRPr lang="en-US"/>
           </a:p>
@@ -2523,7 +2523,7 @@
           <a:p>
             <a:fld id="{E44376AC-B3C2-8643-B9A3-A6905164CDF3}" type="datetimeFigureOut">
               <a:rPr lang="en-US" smtClean="0"/>
-              <a:t>8/18/2016</a:t>
+              <a:t>8/31/2016</a:t>
             </a:fld>
             <a:endParaRPr lang="en-US"/>
           </a:p>
@@ -2736,7 +2736,7 @@
           <a:p>
             <a:fld id="{E44376AC-B3C2-8643-B9A3-A6905164CDF3}" type="datetimeFigureOut">
               <a:rPr lang="en-US" smtClean="0"/>
-              <a:t>8/18/2016</a:t>
+              <a:t>8/31/2016</a:t>
             </a:fld>
             <a:endParaRPr lang="en-US"/>
           </a:p>
@@ -3144,14 +3144,7 @@
                 <a:latin typeface="Courier New"/>
                 <a:cs typeface="Courier New"/>
               </a:rPr>
-              <a:t>m</a:t>
-            </a:r>
-            <a:r>
-              <a:rPr lang="en-US" sz="1200" dirty="0">
-                <a:latin typeface="Courier New"/>
-                <a:cs typeface="Courier New"/>
-              </a:rPr>
-              <a:t>agic</a:t>
+              <a:t>magic</a:t>
             </a:r>
           </a:p>
           <a:p>
@@ -3180,10 +3173,6 @@
               </a:rPr>
               <a:t>[4])</a:t>
             </a:r>
-            <a:endParaRPr lang="en-US" sz="1200" dirty="0">
-              <a:latin typeface="Courier New"/>
-              <a:cs typeface="Courier New"/>
-            </a:endParaRPr>
           </a:p>
         </p:txBody>
       </p:sp>
@@ -3252,10 +3241,6 @@
               </a:rPr>
               <a:t>)</a:t>
             </a:r>
-            <a:endParaRPr lang="en-US" sz="1200" dirty="0">
-              <a:latin typeface="Courier New"/>
-              <a:cs typeface="Courier New"/>
-            </a:endParaRPr>
           </a:p>
         </p:txBody>
       </p:sp>
@@ -3304,8 +3289,8 @@
         </p:nvSpPr>
         <p:spPr>
           <a:xfrm>
-            <a:off x="4022311" y="128944"/>
-            <a:ext cx="1486304" cy="276999"/>
+            <a:off x="3232035" y="128944"/>
+            <a:ext cx="3066865" cy="276999"/>
           </a:xfrm>
           <a:prstGeom prst="rect">
             <a:avLst/>
@@ -3324,11 +3309,11 @@
           <a:p>
             <a:pPr algn="ctr"/>
             <a:r>
-              <a:rPr lang="en-US" sz="1200" dirty="0">
+              <a:rPr lang="en-US" sz="1200" dirty="0" smtClean="0">
                 <a:latin typeface="Courier New"/>
                 <a:cs typeface="Courier New"/>
               </a:rPr>
-              <a:t>20-byte header</a:t>
+              <a:t>28-byte header (first 20 bytes)</a:t>
             </a:r>
             <a:endParaRPr lang="en-US" sz="1200" dirty="0">
               <a:latin typeface="Courier New"/>
@@ -3402,10 +3387,6 @@
               </a:rPr>
               <a:t>)</a:t>
             </a:r>
-            <a:endParaRPr lang="en-US" sz="1200" dirty="0">
-              <a:latin typeface="Courier New"/>
-              <a:cs typeface="Courier New"/>
-            </a:endParaRPr>
           </a:p>
         </p:txBody>
       </p:sp>
@@ -3474,10 +3455,6 @@
               </a:rPr>
               <a:t>)</a:t>
             </a:r>
-            <a:endParaRPr lang="en-US" sz="1200" dirty="0">
-              <a:latin typeface="Courier New"/>
-              <a:cs typeface="Courier New"/>
-            </a:endParaRPr>
           </a:p>
         </p:txBody>
       </p:sp>
@@ -3489,8 +3466,8 @@
         </p:nvCxnSpPr>
         <p:spPr>
           <a:xfrm>
-            <a:off x="321755" y="1704068"/>
-            <a:ext cx="1326348" cy="0"/>
+            <a:off x="321755" y="2927851"/>
+            <a:ext cx="2444360" cy="3"/>
           </a:xfrm>
           <a:prstGeom prst="straightConnector1">
             <a:avLst/>
@@ -3526,7 +3503,7 @@
         </p:nvSpPr>
         <p:spPr>
           <a:xfrm>
-            <a:off x="689735" y="1427072"/>
+            <a:off x="1369824" y="2650855"/>
             <a:ext cx="556563" cy="276999"/>
           </a:xfrm>
           <a:prstGeom prst="rect">
@@ -3552,10 +3529,6 @@
               </a:rPr>
               <a:t>body</a:t>
             </a:r>
-            <a:endParaRPr lang="en-US" sz="1200" dirty="0">
-              <a:latin typeface="Courier New"/>
-              <a:cs typeface="Courier New"/>
-            </a:endParaRPr>
           </a:p>
         </p:txBody>
       </p:sp>
@@ -3624,10 +3597,6 @@
               </a:rPr>
               <a:t>)</a:t>
             </a:r>
-            <a:endParaRPr lang="en-US" sz="1200" dirty="0">
-              <a:latin typeface="Courier New"/>
-              <a:cs typeface="Courier New"/>
-            </a:endParaRPr>
           </a:p>
         </p:txBody>
       </p:sp>
@@ -3639,7 +3608,7 @@
         </p:nvSpPr>
         <p:spPr>
           <a:xfrm>
-            <a:off x="347749" y="1973400"/>
+            <a:off x="347749" y="3197183"/>
             <a:ext cx="1300357" cy="461665"/>
           </a:xfrm>
           <a:prstGeom prst="rect">
@@ -3661,20 +3630,402 @@
           <a:p>
             <a:pPr algn="ctr"/>
             <a:r>
-              <a:rPr lang="en-US" sz="1200" dirty="0" err="1">
+              <a:rPr lang="en-US" sz="1200" dirty="0">
                 <a:latin typeface="Courier New"/>
                 <a:cs typeface="Courier New"/>
               </a:rPr>
               <a:t>featureTable</a:t>
             </a:r>
+          </a:p>
+          <a:p>
+            <a:pPr algn="ctr"/>
             <a:endParaRPr lang="en-US" sz="1200" dirty="0">
               <a:latin typeface="Courier New"/>
               <a:cs typeface="Courier New"/>
             </a:endParaRPr>
           </a:p>
+        </p:txBody>
+      </p:sp>
+      <p:sp>
+        <p:nvSpPr>
+          <p:cNvPr id="17" name="TextBox 16"/>
+          <p:cNvSpPr txBox="1"/>
+          <p:nvPr/>
+        </p:nvSpPr>
+        <p:spPr>
+          <a:xfrm>
+            <a:off x="9597560" y="739896"/>
+            <a:ext cx="269625" cy="356105"/>
+          </a:xfrm>
+          <a:prstGeom prst="rect">
+            <a:avLst/>
+          </a:prstGeom>
+          <a:noFill/>
+          <a:ln w="12700" cmpd="sng">
+            <a:noFill/>
+          </a:ln>
+        </p:spPr>
+        <p:txBody>
+          <a:bodyPr wrap="none" rtlCol="0">
+            <a:spAutoFit/>
+          </a:bodyPr>
+          <a:lstStyle/>
+          <a:p>
+            <a:pPr algn="ctr"/>
+            <a:r>
+              <a:rPr lang="en-US" sz="1050" dirty="0" smtClean="0">
+                <a:latin typeface="Courier New"/>
+                <a:cs typeface="Courier New"/>
+              </a:rPr>
+              <a:t>…</a:t>
+            </a:r>
+          </a:p>
+          <a:p>
+            <a:pPr algn="ctr"/>
+            <a:endParaRPr lang="en-US" sz="1050" dirty="0" smtClean="0">
+              <a:latin typeface="Courier New"/>
+              <a:cs typeface="Courier New"/>
+            </a:endParaRPr>
+          </a:p>
+        </p:txBody>
+      </p:sp>
+      <p:sp>
+        <p:nvSpPr>
+          <p:cNvPr id="20" name="TextBox 19"/>
+          <p:cNvSpPr txBox="1"/>
+          <p:nvPr/>
+        </p:nvSpPr>
+        <p:spPr>
+          <a:xfrm>
+            <a:off x="1651707" y="3197183"/>
+            <a:ext cx="1114408" cy="461665"/>
+          </a:xfrm>
+          <a:prstGeom prst="rect">
+            <a:avLst/>
+          </a:prstGeom>
+          <a:noFill/>
+          <a:ln w="12700" cmpd="sng">
+            <a:solidFill>
+              <a:schemeClr val="tx1"/>
+            </a:solidFill>
+            <a:prstDash val="lgDash"/>
+          </a:ln>
+        </p:spPr>
+        <p:txBody>
+          <a:bodyPr wrap="none" rtlCol="0">
+            <a:spAutoFit/>
+          </a:bodyPr>
+          <a:lstStyle/>
+          <a:p>
+            <a:pPr algn="ctr"/>
+            <a:r>
+              <a:rPr lang="en-US" sz="1200" dirty="0" smtClean="0">
+                <a:latin typeface="Courier New"/>
+                <a:cs typeface="Courier New"/>
+              </a:rPr>
+              <a:t>batchTable</a:t>
+            </a:r>
+            <a:endParaRPr lang="en-US" sz="1200" dirty="0">
+              <a:latin typeface="Courier New"/>
+              <a:cs typeface="Courier New"/>
+            </a:endParaRPr>
+          </a:p>
           <a:p>
             <a:pPr algn="ctr"/>
             <a:endParaRPr lang="en-US" sz="1200" dirty="0">
+              <a:latin typeface="Courier New"/>
+              <a:cs typeface="Courier New"/>
+            </a:endParaRPr>
+          </a:p>
+        </p:txBody>
+      </p:sp>
+      <p:cxnSp>
+        <p:nvCxnSpPr>
+          <p:cNvPr id="21" name="Straight Arrow Connector 20"/>
+          <p:cNvCxnSpPr/>
+          <p:nvPr/>
+        </p:nvCxnSpPr>
+        <p:spPr>
+          <a:xfrm>
+            <a:off x="322830" y="1694760"/>
+            <a:ext cx="5016966" cy="0"/>
+          </a:xfrm>
+          <a:prstGeom prst="straightConnector1">
+            <a:avLst/>
+          </a:prstGeom>
+          <a:ln w="12700" cmpd="sng">
+            <a:solidFill>
+              <a:schemeClr val="tx1"/>
+            </a:solidFill>
+            <a:headEnd type="arrow"/>
+            <a:tailEnd type="arrow"/>
+          </a:ln>
+        </p:spPr>
+        <p:style>
+          <a:lnRef idx="2">
+            <a:schemeClr val="accent1"/>
+          </a:lnRef>
+          <a:fillRef idx="0">
+            <a:schemeClr val="accent1"/>
+          </a:fillRef>
+          <a:effectRef idx="1">
+            <a:schemeClr val="accent1"/>
+          </a:effectRef>
+          <a:fontRef idx="minor">
+            <a:schemeClr val="tx1"/>
+          </a:fontRef>
+        </p:style>
+      </p:cxnSp>
+      <p:sp>
+        <p:nvSpPr>
+          <p:cNvPr id="22" name="TextBox 21"/>
+          <p:cNvSpPr txBox="1"/>
+          <p:nvPr/>
+        </p:nvSpPr>
+        <p:spPr>
+          <a:xfrm>
+            <a:off x="1326703" y="1417764"/>
+            <a:ext cx="2880918" cy="276999"/>
+          </a:xfrm>
+          <a:prstGeom prst="rect">
+            <a:avLst/>
+          </a:prstGeom>
+          <a:noFill/>
+          <a:ln w="12700" cmpd="sng">
+            <a:noFill/>
+            <a:prstDash val="lgDash"/>
+          </a:ln>
+        </p:spPr>
+        <p:txBody>
+          <a:bodyPr wrap="none" rtlCol="0">
+            <a:spAutoFit/>
+          </a:bodyPr>
+          <a:lstStyle/>
+          <a:p>
+            <a:pPr algn="ctr"/>
+            <a:r>
+              <a:rPr lang="en-US" sz="1200" dirty="0" smtClean="0">
+                <a:latin typeface="Courier New"/>
+                <a:cs typeface="Courier New"/>
+              </a:rPr>
+              <a:t>28-byte header (</a:t>
+            </a:r>
+            <a:r>
+              <a:rPr lang="en-US" sz="1200" dirty="0">
+                <a:latin typeface="Courier New"/>
+                <a:cs typeface="Courier New"/>
+              </a:rPr>
+              <a:t>n</a:t>
+            </a:r>
+            <a:r>
+              <a:rPr lang="en-US" sz="1200" dirty="0" smtClean="0">
+                <a:latin typeface="Courier New"/>
+                <a:cs typeface="Courier New"/>
+              </a:rPr>
+              <a:t>ext 8 bytes)</a:t>
+            </a:r>
+            <a:endParaRPr lang="en-US" sz="1200" dirty="0">
+              <a:latin typeface="Courier New"/>
+              <a:cs typeface="Courier New"/>
+            </a:endParaRPr>
+          </a:p>
+        </p:txBody>
+      </p:sp>
+      <p:sp>
+        <p:nvSpPr>
+          <p:cNvPr id="23" name="TextBox 22"/>
+          <p:cNvSpPr txBox="1"/>
+          <p:nvPr/>
+        </p:nvSpPr>
+        <p:spPr>
+          <a:xfrm>
+            <a:off x="321755" y="1985507"/>
+            <a:ext cx="2416046" cy="461665"/>
+          </a:xfrm>
+          <a:prstGeom prst="rect">
+            <a:avLst/>
+          </a:prstGeom>
+          <a:noFill/>
+          <a:ln w="12700" cmpd="sng">
+            <a:solidFill>
+              <a:schemeClr val="tx1"/>
+            </a:solidFill>
+          </a:ln>
+        </p:spPr>
+        <p:txBody>
+          <a:bodyPr wrap="none" rtlCol="0">
+            <a:spAutoFit/>
+          </a:bodyPr>
+          <a:lstStyle/>
+          <a:p>
+            <a:pPr algn="ctr"/>
+            <a:r>
+              <a:rPr lang="en-US" sz="1200" dirty="0" smtClean="0">
+                <a:latin typeface="Courier New"/>
+                <a:cs typeface="Courier New"/>
+              </a:rPr>
+              <a:t>batch</a:t>
+            </a:r>
+            <a:r>
+              <a:rPr lang="en-US" sz="1200" dirty="0" smtClean="0">
+                <a:latin typeface="Courier New"/>
+                <a:cs typeface="Courier New"/>
+              </a:rPr>
+              <a:t>TableJSONByteLength</a:t>
+            </a:r>
+            <a:endParaRPr lang="en-US" sz="1200" dirty="0">
+              <a:latin typeface="Courier New"/>
+              <a:cs typeface="Courier New"/>
+            </a:endParaRPr>
+          </a:p>
+          <a:p>
+            <a:pPr algn="ctr"/>
+            <a:r>
+              <a:rPr lang="en-US" sz="1200" dirty="0">
+                <a:latin typeface="Courier New"/>
+                <a:cs typeface="Courier New"/>
+              </a:rPr>
+              <a:t>(</a:t>
+            </a:r>
+            <a:r>
+              <a:rPr lang="en-US" sz="1200" dirty="0">
+                <a:solidFill>
+                  <a:schemeClr val="tx2">
+                    <a:lumMod val="60000"/>
+                    <a:lumOff val="40000"/>
+                  </a:schemeClr>
+                </a:solidFill>
+                <a:latin typeface="Courier New"/>
+                <a:cs typeface="Courier New"/>
+              </a:rPr>
+              <a:t>uint32</a:t>
+            </a:r>
+            <a:r>
+              <a:rPr lang="en-US" sz="1200" dirty="0">
+                <a:latin typeface="Courier New"/>
+                <a:cs typeface="Courier New"/>
+              </a:rPr>
+              <a:t>)</a:t>
+            </a:r>
+          </a:p>
+        </p:txBody>
+      </p:sp>
+      <p:sp>
+        <p:nvSpPr>
+          <p:cNvPr id="26" name="TextBox 25"/>
+          <p:cNvSpPr txBox="1"/>
+          <p:nvPr/>
+        </p:nvSpPr>
+        <p:spPr>
+          <a:xfrm>
+            <a:off x="2737801" y="1985506"/>
+            <a:ext cx="2601995" cy="461665"/>
+          </a:xfrm>
+          <a:prstGeom prst="rect">
+            <a:avLst/>
+          </a:prstGeom>
+          <a:noFill/>
+          <a:ln w="12700" cmpd="sng">
+            <a:solidFill>
+              <a:schemeClr val="tx1"/>
+            </a:solidFill>
+          </a:ln>
+        </p:spPr>
+        <p:txBody>
+          <a:bodyPr wrap="none" rtlCol="0">
+            <a:spAutoFit/>
+          </a:bodyPr>
+          <a:lstStyle/>
+          <a:p>
+            <a:pPr algn="ctr"/>
+            <a:r>
+              <a:rPr lang="en-US" sz="1200" dirty="0" smtClean="0">
+                <a:latin typeface="Courier New"/>
+                <a:cs typeface="Courier New"/>
+              </a:rPr>
+              <a:t>batch</a:t>
+            </a:r>
+            <a:r>
+              <a:rPr lang="en-US" sz="1200" dirty="0" smtClean="0">
+                <a:latin typeface="Courier New"/>
+                <a:cs typeface="Courier New"/>
+              </a:rPr>
+              <a:t>TableBinaryByteLength</a:t>
+            </a:r>
+            <a:endParaRPr lang="en-US" sz="1200" dirty="0">
+              <a:latin typeface="Courier New"/>
+              <a:cs typeface="Courier New"/>
+            </a:endParaRPr>
+          </a:p>
+          <a:p>
+            <a:pPr algn="ctr"/>
+            <a:r>
+              <a:rPr lang="en-US" sz="1200" dirty="0">
+                <a:latin typeface="Courier New"/>
+                <a:cs typeface="Courier New"/>
+              </a:rPr>
+              <a:t>(</a:t>
+            </a:r>
+            <a:r>
+              <a:rPr lang="en-US" sz="1200" dirty="0">
+                <a:solidFill>
+                  <a:schemeClr val="tx2">
+                    <a:lumMod val="60000"/>
+                    <a:lumOff val="40000"/>
+                  </a:schemeClr>
+                </a:solidFill>
+                <a:latin typeface="Courier New"/>
+                <a:cs typeface="Courier New"/>
+              </a:rPr>
+              <a:t>uint32</a:t>
+            </a:r>
+            <a:r>
+              <a:rPr lang="en-US" sz="1200" dirty="0">
+                <a:latin typeface="Courier New"/>
+                <a:cs typeface="Courier New"/>
+              </a:rPr>
+              <a:t>)</a:t>
+            </a:r>
+          </a:p>
+        </p:txBody>
+      </p:sp>
+      <p:sp>
+        <p:nvSpPr>
+          <p:cNvPr id="27" name="TextBox 26"/>
+          <p:cNvSpPr txBox="1"/>
+          <p:nvPr/>
+        </p:nvSpPr>
+        <p:spPr>
+          <a:xfrm>
+            <a:off x="5373805" y="2038285"/>
+            <a:ext cx="269625" cy="356105"/>
+          </a:xfrm>
+          <a:prstGeom prst="rect">
+            <a:avLst/>
+          </a:prstGeom>
+          <a:noFill/>
+          <a:ln w="12700" cmpd="sng">
+            <a:noFill/>
+          </a:ln>
+        </p:spPr>
+        <p:txBody>
+          <a:bodyPr wrap="none" rtlCol="0">
+            <a:spAutoFit/>
+          </a:bodyPr>
+          <a:lstStyle/>
+          <a:p>
+            <a:pPr algn="ctr"/>
+            <a:r>
+              <a:rPr lang="en-US" sz="1050" dirty="0" smtClean="0">
+                <a:latin typeface="Courier New"/>
+                <a:cs typeface="Courier New"/>
+              </a:rPr>
+              <a:t>…</a:t>
+            </a:r>
+          </a:p>
+          <a:p>
+            <a:pPr algn="ctr"/>
+            <a:endParaRPr lang="en-US" sz="1050" dirty="0" smtClean="0">
               <a:latin typeface="Courier New"/>
               <a:cs typeface="Courier New"/>
             </a:endParaRPr>
